--- a/Robot framework - Prezentacija 2.pptx
+++ b/Robot framework - Prezentacija 2.pptx
@@ -168,6 +168,73 @@
     </p:ext>
   </p:extLst>
 </p:presentation>
+</file>
+
+<file path=ppt/revisionInfo.xml><?xml version="1.0" encoding="utf-8"?>
+<p1510:revInfo xmlns:a="http://schemas.openxmlformats.org/drawingml/2006/main" xmlns:r="http://schemas.openxmlformats.org/officeDocument/2006/relationships" xmlns:p1510="http://schemas.microsoft.com/office/powerpoint/2015/10/main">
+  <p1510:revLst>
+    <p1510:client id="{8207F6DE-2D44-485A-B2EE-E7A16C39FA3A}" v="8" dt="2020-12-02T08:53:24.045"/>
+  </p1510:revLst>
+</p1510:revInfo>
+</file>
+
+<file path=ppt/changesInfos/changesInfo1.xml><?xml version="1.0" encoding="utf-8"?>
+<pc:chgInfo xmlns:a="http://schemas.openxmlformats.org/drawingml/2006/main" xmlns:r="http://schemas.openxmlformats.org/officeDocument/2006/relationships" xmlns:ac="http://schemas.microsoft.com/office/drawing/2013/main/command" xmlns:pc="http://schemas.microsoft.com/office/powerpoint/2013/main/command">
+  <pc:docChgLst>
+    <pc:chgData name="Dario Savić" userId="S::dario.savic@badin.rs::152da986-d36d-48c4-9dac-ac6711d1bf05" providerId="AD" clId="Web-{8207F6DE-2D44-485A-B2EE-E7A16C39FA3A}"/>
+    <pc:docChg chg="modSld">
+      <pc:chgData name="Dario Savić" userId="S::dario.savic@badin.rs::152da986-d36d-48c4-9dac-ac6711d1bf05" providerId="AD" clId="Web-{8207F6DE-2D44-485A-B2EE-E7A16C39FA3A}" dt="2020-12-02T08:53:24.045" v="5" actId="20577"/>
+      <pc:docMkLst>
+        <pc:docMk/>
+      </pc:docMkLst>
+      <pc:sldChg chg="modSp">
+        <pc:chgData name="Dario Savić" userId="S::dario.savic@badin.rs::152da986-d36d-48c4-9dac-ac6711d1bf05" providerId="AD" clId="Web-{8207F6DE-2D44-485A-B2EE-E7A16C39FA3A}" dt="2020-12-02T08:52:36.825" v="3" actId="20577"/>
+        <pc:sldMkLst>
+          <pc:docMk/>
+          <pc:sldMk cId="3774727754" sldId="258"/>
+        </pc:sldMkLst>
+        <pc:spChg chg="mod">
+          <ac:chgData name="Dario Savić" userId="S::dario.savic@badin.rs::152da986-d36d-48c4-9dac-ac6711d1bf05" providerId="AD" clId="Web-{8207F6DE-2D44-485A-B2EE-E7A16C39FA3A}" dt="2020-12-02T08:52:36.825" v="3" actId="20577"/>
+          <ac:spMkLst>
+            <pc:docMk/>
+            <pc:sldMk cId="3774727754" sldId="258"/>
+            <ac:spMk id="36866" creationId="{00000000-0000-0000-0000-000000000000}"/>
+          </ac:spMkLst>
+        </pc:spChg>
+      </pc:sldChg>
+      <pc:sldChg chg="modSp">
+        <pc:chgData name="Dario Savić" userId="S::dario.savic@badin.rs::152da986-d36d-48c4-9dac-ac6711d1bf05" providerId="AD" clId="Web-{8207F6DE-2D44-485A-B2EE-E7A16C39FA3A}" dt="2020-12-02T08:52:31.731" v="2" actId="20577"/>
+        <pc:sldMkLst>
+          <pc:docMk/>
+          <pc:sldMk cId="3387200312" sldId="259"/>
+        </pc:sldMkLst>
+        <pc:spChg chg="mod">
+          <ac:chgData name="Dario Savić" userId="S::dario.savic@badin.rs::152da986-d36d-48c4-9dac-ac6711d1bf05" providerId="AD" clId="Web-{8207F6DE-2D44-485A-B2EE-E7A16C39FA3A}" dt="2020-12-02T08:52:31.731" v="2" actId="20577"/>
+          <ac:spMkLst>
+            <pc:docMk/>
+            <pc:sldMk cId="3387200312" sldId="259"/>
+            <ac:spMk id="36867" creationId="{00000000-0000-0000-0000-000000000000}"/>
+          </ac:spMkLst>
+        </pc:spChg>
+      </pc:sldChg>
+      <pc:sldChg chg="modSp">
+        <pc:chgData name="Dario Savić" userId="S::dario.savic@badin.rs::152da986-d36d-48c4-9dac-ac6711d1bf05" providerId="AD" clId="Web-{8207F6DE-2D44-485A-B2EE-E7A16C39FA3A}" dt="2020-12-02T08:53:24.045" v="5" actId="20577"/>
+        <pc:sldMkLst>
+          <pc:docMk/>
+          <pc:sldMk cId="3386364076" sldId="260"/>
+        </pc:sldMkLst>
+        <pc:spChg chg="mod">
+          <ac:chgData name="Dario Savić" userId="S::dario.savic@badin.rs::152da986-d36d-48c4-9dac-ac6711d1bf05" providerId="AD" clId="Web-{8207F6DE-2D44-485A-B2EE-E7A16C39FA3A}" dt="2020-12-02T08:53:24.045" v="5" actId="20577"/>
+          <ac:spMkLst>
+            <pc:docMk/>
+            <pc:sldMk cId="3386364076" sldId="260"/>
+            <ac:spMk id="36867" creationId="{00000000-0000-0000-0000-000000000000}"/>
+          </ac:spMkLst>
+        </pc:spChg>
+      </pc:sldChg>
+    </pc:docChg>
+  </pc:docChgLst>
+</pc:chgInfo>
 </file>
 
 <file path=ppt/handoutMasters/handoutMaster1.xml><?xml version="1.0" encoding="utf-8"?>
@@ -7312,8 +7379,14 @@
                   <a:srgbClr val="080808"/>
                 </a:solidFill>
               </a:rPr>
-              <a:t>-Python</a:t>
-            </a:r>
+              <a:t>- Python</a:t>
+            </a:r>
+            <a:endParaRPr lang="en-US" sz="2200" dirty="0">
+              <a:solidFill>
+                <a:srgbClr val="080808"/>
+              </a:solidFill>
+              <a:cs typeface="Arial"/>
+            </a:endParaRPr>
           </a:p>
           <a:p>
             <a:pPr marL="0" indent="0">
@@ -7328,8 +7401,14 @@
                   <a:srgbClr val="080808"/>
                 </a:solidFill>
               </a:rPr>
-              <a:t>-pip </a:t>
-            </a:r>
+              <a:t>- pip </a:t>
+            </a:r>
+            <a:endParaRPr lang="en-US" sz="2200" dirty="0">
+              <a:solidFill>
+                <a:srgbClr val="080808"/>
+              </a:solidFill>
+              <a:cs typeface="Arial"/>
+            </a:endParaRPr>
           </a:p>
           <a:p>
             <a:pPr marL="0" indent="0">
@@ -7344,8 +7423,14 @@
                   <a:srgbClr val="080808"/>
                 </a:solidFill>
               </a:rPr>
-              <a:t>-Robot </a:t>
-            </a:r>
+              <a:t>- Robot </a:t>
+            </a:r>
+            <a:endParaRPr lang="en-US" sz="2200" dirty="0">
+              <a:solidFill>
+                <a:srgbClr val="080808"/>
+              </a:solidFill>
+              <a:cs typeface="Arial"/>
+            </a:endParaRPr>
           </a:p>
           <a:p>
             <a:pPr marL="0" indent="0">
@@ -7360,7 +7445,7 @@
                   <a:srgbClr val="080808"/>
                 </a:solidFill>
               </a:rPr>
-              <a:t>-Selenium I WebDriver-e</a:t>
+              <a:t>- Selenium I WebDriver-e</a:t>
             </a:r>
             <a:endParaRPr lang="uk-UA" sz="2200" dirty="0">
               <a:solidFill>
@@ -7441,7 +7526,23 @@
                   <a:schemeClr val="bg1"/>
                 </a:solidFill>
               </a:rPr>
-              <a:t> I test flow</a:t>
+              <a:t> </a:t>
+            </a:r>
+            <a:r>
+              <a:rPr lang="en-US" sz="3600" b="1" dirty="0" err="1">
+                <a:solidFill>
+                  <a:schemeClr val="bg1"/>
+                </a:solidFill>
+              </a:rPr>
+              <a:t>i</a:t>
+            </a:r>
+            <a:r>
+              <a:rPr lang="en-US" sz="3600" b="1" dirty="0">
+                <a:solidFill>
+                  <a:schemeClr val="bg1"/>
+                </a:solidFill>
+              </a:rPr>
+              <a:t> test flow</a:t>
             </a:r>
             <a:endParaRPr lang="uk-UA" sz="3600" b="1" dirty="0">
               <a:solidFill>
@@ -8200,7 +8301,7 @@
                   <a:srgbClr val="080808"/>
                 </a:solidFill>
               </a:rPr>
-              <a:t> u </a:t>
+              <a:t> u Robotu </a:t>
             </a:r>
             <a:r>
               <a:rPr lang="en-US" sz="2200" dirty="0" err="1">
@@ -8208,7 +8309,7 @@
                   <a:srgbClr val="080808"/>
                 </a:solidFill>
               </a:rPr>
-              <a:t>Robotu</a:t>
+              <a:t>mogu</a:t>
             </a:r>
             <a:r>
               <a:rPr lang="en-US" sz="2200" dirty="0">
@@ -8216,15 +8317,31 @@
                   <a:srgbClr val="080808"/>
                 </a:solidFill>
               </a:rPr>
+              <a:t> da se </a:t>
+            </a:r>
+            <a:r>
+              <a:rPr lang="en-US" sz="2200" dirty="0" err="1">
+                <a:solidFill>
+                  <a:srgbClr val="080808"/>
+                </a:solidFill>
+              </a:rPr>
+              <a:t>sastoje</a:t>
+            </a:r>
+            <a:r>
+              <a:rPr lang="en-US" sz="2200" dirty="0">
+                <a:solidFill>
+                  <a:srgbClr val="080808"/>
+                </a:solidFill>
+              </a:rPr>
               <a:t> </a:t>
             </a:r>
             <a:r>
-              <a:rPr lang="en-US" sz="2200" b="1" dirty="0" err="1">
-                <a:solidFill>
-                  <a:srgbClr val="080808"/>
-                </a:solidFill>
-              </a:rPr>
-              <a:t>mogu</a:t>
+              <a:rPr lang="en-US" sz="2200" dirty="0" err="1">
+                <a:solidFill>
+                  <a:srgbClr val="080808"/>
+                </a:solidFill>
+              </a:rPr>
+              <a:t>iz</a:t>
             </a:r>
             <a:r>
               <a:rPr lang="en-US" sz="2200" dirty="0">
@@ -8232,39 +8349,7 @@
                   <a:srgbClr val="080808"/>
                 </a:solidFill>
               </a:rPr>
-              <a:t> da se </a:t>
-            </a:r>
-            <a:r>
-              <a:rPr lang="en-US" sz="2200" dirty="0" err="1">
-                <a:solidFill>
-                  <a:srgbClr val="080808"/>
-                </a:solidFill>
-              </a:rPr>
-              <a:t>sastoje</a:t>
-            </a:r>
-            <a:r>
-              <a:rPr lang="en-US" sz="2200" dirty="0">
-                <a:solidFill>
-                  <a:srgbClr val="080808"/>
-                </a:solidFill>
-              </a:rPr>
-              <a:t> </a:t>
-            </a:r>
-            <a:r>
-              <a:rPr lang="en-US" sz="2200" dirty="0" err="1">
-                <a:solidFill>
-                  <a:srgbClr val="080808"/>
-                </a:solidFill>
-              </a:rPr>
-              <a:t>iz</a:t>
-            </a:r>
-            <a:r>
-              <a:rPr lang="en-US" sz="2200" dirty="0">
-                <a:solidFill>
-                  <a:srgbClr val="080808"/>
-                </a:solidFill>
-              </a:rPr>
-              <a:t> </a:t>
+              <a:t> </a:t>
             </a:r>
           </a:p>
           <a:p>

--- a/Robot framework - Prezentacija 2.pptx
+++ b/Robot framework - Prezentacija 2.pptx
@@ -6,10 +6,10 @@
     <p:sldMasterId id="2147483650" r:id="rId2"/>
   </p:sldMasterIdLst>
   <p:notesMasterIdLst>
-    <p:notesMasterId r:id="rId11"/>
+    <p:notesMasterId r:id="rId12"/>
   </p:notesMasterIdLst>
   <p:handoutMasterIdLst>
-    <p:handoutMasterId r:id="rId12"/>
+    <p:handoutMasterId r:id="rId13"/>
   </p:handoutMasterIdLst>
   <p:sldIdLst>
     <p:sldId id="256" r:id="rId3"/>
@@ -20,6 +20,7 @@
     <p:sldId id="261" r:id="rId8"/>
     <p:sldId id="262" r:id="rId9"/>
     <p:sldId id="263" r:id="rId10"/>
+    <p:sldId id="265" r:id="rId11"/>
   </p:sldIdLst>
   <p:sldSz cx="9144000" cy="6858000" type="screen4x3"/>
   <p:notesSz cx="6858000" cy="9144000"/>
@@ -1397,6 +1398,95 @@
     <p:extLst>
       <p:ext uri="{BB962C8B-B14F-4D97-AF65-F5344CB8AC3E}">
         <p14:creationId xmlns:p14="http://schemas.microsoft.com/office/powerpoint/2010/main" val="4036959684"/>
+      </p:ext>
+    </p:extLst>
+  </p:cSld>
+  <p:clrMapOvr>
+    <a:masterClrMapping/>
+  </p:clrMapOvr>
+</p:notes>
+</file>
+
+<file path=ppt/notesSlides/notesSlide9.xml><?xml version="1.0" encoding="utf-8"?>
+<p:notes xmlns:a="http://schemas.openxmlformats.org/drawingml/2006/main" xmlns:r="http://schemas.openxmlformats.org/officeDocument/2006/relationships" xmlns:p="http://schemas.openxmlformats.org/presentationml/2006/main">
+  <p:cSld>
+    <p:spTree>
+      <p:nvGrpSpPr>
+        <p:cNvPr id="1" name=""/>
+        <p:cNvGrpSpPr/>
+        <p:nvPr/>
+      </p:nvGrpSpPr>
+      <p:grpSpPr>
+        <a:xfrm>
+          <a:off x="0" y="0"/>
+          <a:ext cx="0" cy="0"/>
+          <a:chOff x="0" y="0"/>
+          <a:chExt cx="0" cy="0"/>
+        </a:xfrm>
+      </p:grpSpPr>
+      <p:sp>
+        <p:nvSpPr>
+          <p:cNvPr id="7" name="Rectangle 7"/>
+          <p:cNvSpPr>
+            <a:spLocks noGrp="1" noChangeArrowheads="1"/>
+          </p:cNvSpPr>
+          <p:nvPr>
+            <p:ph type="sldNum" sz="quarter" idx="5"/>
+          </p:nvPr>
+        </p:nvSpPr>
+        <p:spPr>
+          <a:ln/>
+        </p:spPr>
+        <p:txBody>
+          <a:bodyPr/>
+          <a:lstStyle/>
+          <a:p>
+            <a:fld id="{450A2780-ABF1-43CD-9DB5-0F634C8D5171}" type="slidenum">
+              <a:rPr lang="en-US"/>
+              <a:pPr/>
+              <a:t>9</a:t>
+            </a:fld>
+            <a:endParaRPr lang="en-US"/>
+          </a:p>
+        </p:txBody>
+      </p:sp>
+      <p:sp>
+        <p:nvSpPr>
+          <p:cNvPr id="357378" name="Rectangle 2"/>
+          <p:cNvSpPr>
+            <a:spLocks noGrp="1" noRot="1" noChangeAspect="1" noChangeArrowheads="1" noTextEdit="1"/>
+          </p:cNvSpPr>
+          <p:nvPr>
+            <p:ph type="sldImg"/>
+          </p:nvPr>
+        </p:nvSpPr>
+        <p:spPr>
+          <a:ln/>
+        </p:spPr>
+      </p:sp>
+      <p:sp>
+        <p:nvSpPr>
+          <p:cNvPr id="357379" name="Rectangle 3"/>
+          <p:cNvSpPr>
+            <a:spLocks noGrp="1" noChangeArrowheads="1"/>
+          </p:cNvSpPr>
+          <p:nvPr>
+            <p:ph type="body" idx="1"/>
+          </p:nvPr>
+        </p:nvSpPr>
+        <p:spPr/>
+        <p:txBody>
+          <a:bodyPr/>
+          <a:lstStyle/>
+          <a:p>
+            <a:endParaRPr lang="en-US"/>
+          </a:p>
+        </p:txBody>
+      </p:sp>
+    </p:spTree>
+    <p:extLst>
+      <p:ext uri="{BB962C8B-B14F-4D97-AF65-F5344CB8AC3E}">
+        <p14:creationId xmlns:p14="http://schemas.microsoft.com/office/powerpoint/2010/main" val="3760000859"/>
       </p:ext>
     </p:extLst>
   </p:cSld>
@@ -9290,6 +9380,356 @@
     <p:extLst>
       <p:ext uri="{BB962C8B-B14F-4D97-AF65-F5344CB8AC3E}">
         <p14:creationId xmlns:p14="http://schemas.microsoft.com/office/powerpoint/2010/main" val="3728834352"/>
+      </p:ext>
+    </p:extLst>
+  </p:cSld>
+  <p:clrMapOvr>
+    <a:masterClrMapping/>
+  </p:clrMapOvr>
+</p:sld>
+</file>
+
+<file path=ppt/slides/slide9.xml><?xml version="1.0" encoding="utf-8"?>
+<p:sld xmlns:a="http://schemas.openxmlformats.org/drawingml/2006/main" xmlns:r="http://schemas.openxmlformats.org/officeDocument/2006/relationships" xmlns:p="http://schemas.openxmlformats.org/presentationml/2006/main">
+  <p:cSld>
+    <p:spTree>
+      <p:nvGrpSpPr>
+        <p:cNvPr id="1" name=""/>
+        <p:cNvGrpSpPr/>
+        <p:nvPr/>
+      </p:nvGrpSpPr>
+      <p:grpSpPr>
+        <a:xfrm>
+          <a:off x="0" y="0"/>
+          <a:ext cx="0" cy="0"/>
+          <a:chOff x="0" y="0"/>
+          <a:chExt cx="0" cy="0"/>
+        </a:xfrm>
+      </p:grpSpPr>
+      <p:sp>
+        <p:nvSpPr>
+          <p:cNvPr id="36866" name="Rectangle 2"/>
+          <p:cNvSpPr>
+            <a:spLocks noGrp="1" noChangeArrowheads="1"/>
+          </p:cNvSpPr>
+          <p:nvPr>
+            <p:ph type="title"/>
+          </p:nvPr>
+        </p:nvSpPr>
+        <p:spPr>
+          <a:xfrm>
+            <a:off x="1116013" y="692150"/>
+            <a:ext cx="4860925" cy="649288"/>
+          </a:xfrm>
+        </p:spPr>
+        <p:txBody>
+          <a:bodyPr/>
+          <a:lstStyle/>
+          <a:p>
+            <a:r>
+              <a:rPr lang="en-US" sz="3600" b="1" dirty="0">
+                <a:solidFill>
+                  <a:schemeClr val="bg1"/>
+                </a:solidFill>
+              </a:rPr>
+              <a:t>Features</a:t>
+            </a:r>
+            <a:endParaRPr lang="uk-UA" sz="3600" b="1" dirty="0">
+              <a:solidFill>
+                <a:schemeClr val="bg1"/>
+              </a:solidFill>
+            </a:endParaRPr>
+          </a:p>
+        </p:txBody>
+      </p:sp>
+      <p:sp>
+        <p:nvSpPr>
+          <p:cNvPr id="36867" name="Rectangle 3"/>
+          <p:cNvSpPr>
+            <a:spLocks noGrp="1" noChangeArrowheads="1"/>
+          </p:cNvSpPr>
+          <p:nvPr>
+            <p:ph type="body" idx="1"/>
+          </p:nvPr>
+        </p:nvSpPr>
+        <p:spPr>
+          <a:xfrm>
+            <a:off x="539750" y="1988840"/>
+            <a:ext cx="8064500" cy="4751388"/>
+          </a:xfrm>
+        </p:spPr>
+        <p:txBody>
+          <a:bodyPr/>
+          <a:lstStyle/>
+          <a:p>
+            <a:pPr marL="0" indent="0">
+              <a:lnSpc>
+                <a:spcPct val="80000"/>
+              </a:lnSpc>
+              <a:buNone/>
+            </a:pPr>
+            <a:r>
+              <a:rPr lang="en-US" sz="2200" dirty="0">
+                <a:solidFill>
+                  <a:srgbClr val="080808"/>
+                </a:solidFill>
+              </a:rPr>
+              <a:t>Kao </a:t>
+            </a:r>
+            <a:r>
+              <a:rPr lang="sr-Latn-RS" sz="2200" dirty="0">
+                <a:solidFill>
+                  <a:srgbClr val="080808"/>
+                </a:solidFill>
+              </a:rPr>
+              <a:t>što smo videli na početku Robot framework nam omogućava </a:t>
+            </a:r>
+            <a:r>
+              <a:rPr lang="en-US" sz="2200" dirty="0" err="1">
+                <a:solidFill>
+                  <a:srgbClr val="080808"/>
+                </a:solidFill>
+              </a:rPr>
+              <a:t>pristup</a:t>
+            </a:r>
+            <a:r>
+              <a:rPr lang="sr-Latn-RS" sz="2200" dirty="0">
+                <a:solidFill>
+                  <a:srgbClr val="080808"/>
+                </a:solidFill>
+              </a:rPr>
+              <a:t> keyword</a:t>
+            </a:r>
+            <a:r>
+              <a:rPr lang="en-US" sz="2200" dirty="0">
+                <a:solidFill>
+                  <a:srgbClr val="080808"/>
+                </a:solidFill>
+              </a:rPr>
+              <a:t>-driven , data-driven I behavior driver (BDD) </a:t>
+            </a:r>
+            <a:r>
+              <a:rPr lang="en-US" sz="2200" dirty="0" err="1">
+                <a:solidFill>
+                  <a:srgbClr val="080808"/>
+                </a:solidFill>
+              </a:rPr>
+              <a:t>testiranju</a:t>
+            </a:r>
+            <a:r>
+              <a:rPr lang="en-US" sz="2200" dirty="0">
+                <a:solidFill>
+                  <a:srgbClr val="080808"/>
+                </a:solidFill>
+              </a:rPr>
+              <a:t>.</a:t>
+            </a:r>
+          </a:p>
+          <a:p>
+            <a:pPr marL="0" indent="0">
+              <a:lnSpc>
+                <a:spcPct val="80000"/>
+              </a:lnSpc>
+              <a:buNone/>
+            </a:pPr>
+            <a:endParaRPr lang="en-US" sz="2200" dirty="0">
+              <a:solidFill>
+                <a:srgbClr val="080808"/>
+              </a:solidFill>
+            </a:endParaRPr>
+          </a:p>
+          <a:p>
+            <a:pPr marL="0" indent="0">
+              <a:lnSpc>
+                <a:spcPct val="80000"/>
+              </a:lnSpc>
+              <a:buNone/>
+            </a:pPr>
+            <a:r>
+              <a:rPr lang="en-US" sz="2200" dirty="0" err="1">
+                <a:solidFill>
+                  <a:srgbClr val="080808"/>
+                </a:solidFill>
+              </a:rPr>
+              <a:t>Isto</a:t>
+            </a:r>
+            <a:r>
+              <a:rPr lang="en-US" sz="2200" dirty="0">
+                <a:solidFill>
+                  <a:srgbClr val="080808"/>
+                </a:solidFill>
+              </a:rPr>
+              <a:t> </a:t>
+            </a:r>
+            <a:r>
+              <a:rPr lang="en-US" sz="2200" dirty="0" err="1">
+                <a:solidFill>
+                  <a:srgbClr val="080808"/>
+                </a:solidFill>
+              </a:rPr>
+              <a:t>tako</a:t>
+            </a:r>
+            <a:r>
+              <a:rPr lang="en-US" sz="2200" dirty="0">
+                <a:solidFill>
+                  <a:srgbClr val="080808"/>
+                </a:solidFill>
+              </a:rPr>
+              <a:t> </a:t>
+            </a:r>
+            <a:r>
+              <a:rPr lang="en-US" sz="2200" dirty="0" err="1">
+                <a:solidFill>
+                  <a:srgbClr val="080808"/>
+                </a:solidFill>
+              </a:rPr>
+              <a:t>nam</a:t>
+            </a:r>
+            <a:r>
+              <a:rPr lang="en-US" sz="2200" dirty="0">
+                <a:solidFill>
+                  <a:srgbClr val="080808"/>
+                </a:solidFill>
+              </a:rPr>
+              <a:t> </a:t>
+            </a:r>
+            <a:r>
+              <a:rPr lang="en-US" sz="2200" dirty="0" err="1">
+                <a:solidFill>
+                  <a:srgbClr val="080808"/>
+                </a:solidFill>
+              </a:rPr>
+              <a:t>generi</a:t>
+            </a:r>
+            <a:r>
+              <a:rPr lang="sr-Latn-RS" sz="2200" dirty="0">
+                <a:solidFill>
+                  <a:srgbClr val="080808"/>
+                </a:solidFill>
+              </a:rPr>
+              <a:t>še (easy to read) report i log u HTML formatu.</a:t>
+            </a:r>
+          </a:p>
+          <a:p>
+            <a:pPr marL="0" indent="0">
+              <a:lnSpc>
+                <a:spcPct val="80000"/>
+              </a:lnSpc>
+              <a:buNone/>
+            </a:pPr>
+            <a:endParaRPr lang="sr-Latn-RS" sz="2200" dirty="0">
+              <a:solidFill>
+                <a:srgbClr val="080808"/>
+              </a:solidFill>
+            </a:endParaRPr>
+          </a:p>
+          <a:p>
+            <a:pPr marL="0" indent="0">
+              <a:lnSpc>
+                <a:spcPct val="80000"/>
+              </a:lnSpc>
+              <a:buNone/>
+            </a:pPr>
+            <a:r>
+              <a:rPr lang="sr-Latn-RS" sz="2200" dirty="0">
+                <a:solidFill>
+                  <a:srgbClr val="080808"/>
+                </a:solidFill>
+              </a:rPr>
+              <a:t>U ovom frameworku možemo da koristimo tagove i time kategorizujemo test caseove koje želimo da izvršavamo u odredjenom trenutku.</a:t>
+            </a:r>
+          </a:p>
+          <a:p>
+            <a:pPr marL="0" indent="0">
+              <a:lnSpc>
+                <a:spcPct val="80000"/>
+              </a:lnSpc>
+              <a:buNone/>
+            </a:pPr>
+            <a:endParaRPr lang="sr-Latn-RS" sz="2200" dirty="0">
+              <a:solidFill>
+                <a:srgbClr val="002060"/>
+              </a:solidFill>
+            </a:endParaRPr>
+          </a:p>
+          <a:p>
+            <a:pPr marL="0" indent="0">
+              <a:lnSpc>
+                <a:spcPct val="80000"/>
+              </a:lnSpc>
+              <a:buNone/>
+            </a:pPr>
+            <a:endParaRPr lang="sr-Latn-RS" sz="2200" dirty="0">
+              <a:solidFill>
+                <a:srgbClr val="002060"/>
+              </a:solidFill>
+            </a:endParaRPr>
+          </a:p>
+          <a:p>
+            <a:pPr marL="0" indent="0">
+              <a:lnSpc>
+                <a:spcPct val="80000"/>
+              </a:lnSpc>
+              <a:buNone/>
+            </a:pPr>
+            <a:endParaRPr lang="sr-Latn-RS" sz="2200" dirty="0">
+              <a:solidFill>
+                <a:srgbClr val="002060"/>
+              </a:solidFill>
+            </a:endParaRPr>
+          </a:p>
+          <a:p>
+            <a:pPr marL="0" indent="0">
+              <a:lnSpc>
+                <a:spcPct val="80000"/>
+              </a:lnSpc>
+              <a:buNone/>
+            </a:pPr>
+            <a:endParaRPr lang="sr-Latn-RS" sz="2200" dirty="0">
+              <a:solidFill>
+                <a:srgbClr val="002060"/>
+              </a:solidFill>
+            </a:endParaRPr>
+          </a:p>
+          <a:p>
+            <a:pPr marL="0" indent="0">
+              <a:lnSpc>
+                <a:spcPct val="80000"/>
+              </a:lnSpc>
+              <a:buNone/>
+            </a:pPr>
+            <a:endParaRPr lang="sr-Latn-RS" sz="2200" dirty="0">
+              <a:solidFill>
+                <a:srgbClr val="002060"/>
+              </a:solidFill>
+            </a:endParaRPr>
+          </a:p>
+          <a:p>
+            <a:pPr marL="0" indent="0">
+              <a:lnSpc>
+                <a:spcPct val="80000"/>
+              </a:lnSpc>
+              <a:buNone/>
+            </a:pPr>
+            <a:br>
+              <a:rPr lang="en-US" sz="2200" dirty="0">
+                <a:solidFill>
+                  <a:srgbClr val="080808"/>
+                </a:solidFill>
+              </a:rPr>
+            </a:br>
+            <a:endParaRPr lang="uk-UA" sz="2200" dirty="0">
+              <a:solidFill>
+                <a:srgbClr val="080808"/>
+              </a:solidFill>
+            </a:endParaRPr>
+          </a:p>
+        </p:txBody>
+      </p:sp>
+    </p:spTree>
+    <p:extLst>
+      <p:ext uri="{BB962C8B-B14F-4D97-AF65-F5344CB8AC3E}">
+        <p14:creationId xmlns:p14="http://schemas.microsoft.com/office/powerpoint/2010/main" val="2664677285"/>
       </p:ext>
     </p:extLst>
   </p:cSld>
